--- a/Documentation/Presentations/PNT Presentation 6.pptx
+++ b/Documentation/Presentations/PNT Presentation 6.pptx
@@ -5,14 +5,15 @@
     <p:sldMasterId id="2147483660" r:id="rId1"/>
   </p:sldMasterIdLst>
   <p:notesMasterIdLst>
-    <p:notesMasterId r:id="rId7"/>
+    <p:notesMasterId r:id="rId8"/>
   </p:notesMasterIdLst>
   <p:sldIdLst>
     <p:sldId id="257" r:id="rId2"/>
     <p:sldId id="260" r:id="rId3"/>
-    <p:sldId id="261" r:id="rId4"/>
-    <p:sldId id="262" r:id="rId5"/>
-    <p:sldId id="263" r:id="rId6"/>
+    <p:sldId id="264" r:id="rId4"/>
+    <p:sldId id="261" r:id="rId5"/>
+    <p:sldId id="262" r:id="rId6"/>
+    <p:sldId id="263" r:id="rId7"/>
   </p:sldIdLst>
   <p:sldSz cx="9144000" cy="6858000" type="screen4x3"/>
   <p:notesSz cx="6858000" cy="9144000"/>
@@ -5898,7 +5899,7 @@
           <a:p>
             <a:r>
               <a:rPr lang="en-US" dirty="0" smtClean="0"/>
-              <a:t>future</a:t>
+              <a:t>Testing Example</a:t>
             </a:r>
             <a:endParaRPr lang="en-US" dirty="0"/>
           </a:p>
@@ -5914,113 +5915,73 @@
             <p:ph idx="1"/>
           </p:nvPr>
         </p:nvSpPr>
-        <p:spPr>
-          <a:xfrm>
-            <a:off x="457200" y="1752600"/>
-            <a:ext cx="8229600" cy="4904967"/>
-          </a:xfrm>
-        </p:spPr>
-        <p:txBody>
-          <a:bodyPr>
-            <a:normAutofit/>
-          </a:bodyPr>
-          <a:lstStyle/>
-          <a:p>
-            <a:pPr marL="114300" indent="0">
-              <a:buNone/>
-            </a:pPr>
-            <a:endParaRPr lang="en-US" dirty="0" smtClean="0"/>
-          </a:p>
+        <p:spPr/>
+        <p:txBody>
+          <a:bodyPr/>
+          <a:lstStyle/>
           <a:p>
             <a:r>
               <a:rPr lang="en-US" dirty="0" smtClean="0"/>
-              <a:t>Perks &amp; Perk UI (Feb 15</a:t>
-            </a:r>
-            <a:r>
-              <a:rPr lang="en-US" baseline="30000" dirty="0" smtClean="0"/>
-              <a:t>th</a:t>
+              <a:t>Things </a:t>
+            </a:r>
+            <a:r>
+              <a:rPr lang="en-US" dirty="0"/>
+              <a:t>to Test</a:t>
             </a:r>
             <a:r>
               <a:rPr lang="en-US" dirty="0" smtClean="0"/>
-              <a:t>)</a:t>
-            </a:r>
-          </a:p>
-          <a:p>
-            <a:pPr marL="114300" indent="0">
-              <a:buNone/>
-            </a:pPr>
-            <a:endParaRPr lang="en-US" dirty="0" smtClean="0"/>
-          </a:p>
-          <a:p>
-            <a:r>
-              <a:rPr lang="en-US" dirty="0" smtClean="0"/>
-              <a:t>Dynamic Menu (Feb 15</a:t>
-            </a:r>
-            <a:r>
-              <a:rPr lang="en-US" baseline="30000" dirty="0" smtClean="0"/>
-              <a:t>th</a:t>
-            </a:r>
-            <a:r>
-              <a:rPr lang="en-US" dirty="0" smtClean="0"/>
-              <a:t>) </a:t>
-            </a:r>
-          </a:p>
-          <a:p>
-            <a:pPr marL="114300" indent="0">
-              <a:buNone/>
-            </a:pPr>
-            <a:endParaRPr lang="en-US" dirty="0" smtClean="0"/>
-          </a:p>
-          <a:p>
-            <a:r>
-              <a:rPr lang="en-US" dirty="0" smtClean="0"/>
-              <a:t>Music/Audio (March 1</a:t>
-            </a:r>
-            <a:r>
-              <a:rPr lang="en-US" baseline="30000" dirty="0" smtClean="0"/>
-              <a:t>st</a:t>
-            </a:r>
-            <a:r>
-              <a:rPr lang="en-US" dirty="0" smtClean="0"/>
-              <a:t>) </a:t>
-            </a:r>
-          </a:p>
-          <a:p>
-            <a:pPr marL="114300" indent="0">
-              <a:buNone/>
-            </a:pPr>
-            <a:endParaRPr lang="en-US" dirty="0" smtClean="0"/>
-          </a:p>
-          <a:p>
-            <a:r>
-              <a:rPr lang="en-US" dirty="0" smtClean="0"/>
-              <a:t>General improvements (items, game play, etc.) (March 1</a:t>
-            </a:r>
-            <a:r>
-              <a:rPr lang="en-US" baseline="30000" dirty="0" smtClean="0"/>
-              <a:t>st</a:t>
-            </a:r>
-            <a:r>
-              <a:rPr lang="en-US" dirty="0" smtClean="0"/>
-              <a:t>) </a:t>
-            </a:r>
-          </a:p>
-          <a:p>
-            <a:endParaRPr lang="en-US" dirty="0" smtClean="0"/>
-          </a:p>
-          <a:p>
-            <a:r>
-              <a:rPr lang="en-US" dirty="0" smtClean="0"/>
-              <a:t>Project Clean Up (Anytime) </a:t>
+              <a:t>:</a:t>
             </a:r>
             <a:endParaRPr lang="en-US" dirty="0"/>
+          </a:p>
+          <a:p>
+            <a:r>
+              <a:rPr lang="en-US" dirty="0"/>
+              <a:t>-Attacking damage</a:t>
+            </a:r>
+          </a:p>
+          <a:p>
+            <a:r>
+              <a:rPr lang="en-US" dirty="0"/>
+              <a:t>-Attacking distance</a:t>
+            </a:r>
+          </a:p>
+          <a:p>
+            <a:r>
+              <a:rPr lang="en-US" dirty="0"/>
+              <a:t>-Animations flowing smoothly</a:t>
+            </a:r>
+          </a:p>
+          <a:p>
+            <a:r>
+              <a:rPr lang="en-US" dirty="0"/>
+              <a:t>-Radius of sight</a:t>
+            </a:r>
+          </a:p>
+          <a:p>
+            <a:r>
+              <a:rPr lang="en-US" dirty="0"/>
+              <a:t>-Radius of attack</a:t>
+            </a:r>
+          </a:p>
+          <a:p>
+            <a:r>
+              <a:rPr lang="en-US" dirty="0"/>
+              <a:t>-Player running out of sight</a:t>
+            </a:r>
+          </a:p>
+          <a:p>
+            <a:r>
+              <a:rPr lang="en-US" dirty="0"/>
+              <a:t>-Player running behind the AI</a:t>
+            </a:r>
           </a:p>
         </p:txBody>
       </p:sp>
     </p:spTree>
     <p:extLst>
       <p:ext uri="{BB962C8B-B14F-4D97-AF65-F5344CB8AC3E}">
-        <p14:creationId xmlns:p14="http://schemas.microsoft.com/office/powerpoint/2010/main" val="2783072996"/>
+        <p14:creationId xmlns:p14="http://schemas.microsoft.com/office/powerpoint/2010/main" val="556802350"/>
       </p:ext>
     </p:extLst>
   </p:cSld>
@@ -6064,7 +6025,7 @@
           <a:p>
             <a:r>
               <a:rPr lang="en-US" dirty="0" smtClean="0"/>
-              <a:t>Future </a:t>
+              <a:t>future</a:t>
             </a:r>
             <a:endParaRPr lang="en-US" dirty="0"/>
           </a:p>
@@ -6080,33 +6041,35 @@
             <p:ph idx="1"/>
           </p:nvPr>
         </p:nvSpPr>
-        <p:spPr/>
-        <p:txBody>
-          <a:bodyPr/>
-          <a:lstStyle/>
+        <p:spPr>
+          <a:xfrm>
+            <a:off x="457200" y="1752600"/>
+            <a:ext cx="8229600" cy="4904967"/>
+          </a:xfrm>
+        </p:spPr>
+        <p:txBody>
+          <a:bodyPr>
+            <a:normAutofit/>
+          </a:bodyPr>
+          <a:lstStyle/>
+          <a:p>
+            <a:pPr marL="114300" indent="0">
+              <a:buNone/>
+            </a:pPr>
+            <a:endParaRPr lang="en-US" dirty="0" smtClean="0"/>
+          </a:p>
           <a:p>
             <a:r>
               <a:rPr lang="en-US" dirty="0" smtClean="0"/>
-              <a:t>Testing (Feb 8</a:t>
+              <a:t>Perks &amp; Perk UI (Feb 15</a:t>
             </a:r>
             <a:r>
               <a:rPr lang="en-US" baseline="30000" dirty="0" smtClean="0"/>
               <a:t>th</a:t>
             </a:r>
             <a:r>
-              <a:rPr lang="en-US" dirty="0"/>
-              <a:t> </a:t>
-            </a:r>
-            <a:r>
               <a:rPr lang="en-US" dirty="0" smtClean="0"/>
-              <a:t>and onwards)</a:t>
-            </a:r>
-          </a:p>
-          <a:p>
-            <a:pPr lvl="1"/>
-            <a:r>
-              <a:rPr lang="en-US" dirty="0" smtClean="0"/>
-              <a:t>AI, items, general testing (i.e. usability, bugs, small details like ensuring all levels link properly, etc.)</a:t>
+              <a:t>)</a:t>
             </a:r>
           </a:p>
           <a:p>
@@ -6118,7 +6081,15 @@
           <a:p>
             <a:r>
               <a:rPr lang="en-US" dirty="0" smtClean="0"/>
-              <a:t>Secondary Requirements IF Main requirements are all finished and testing is completed. (Can start anytime when conditions met) </a:t>
+              <a:t>Dynamic Menu (Feb 15</a:t>
+            </a:r>
+            <a:r>
+              <a:rPr lang="en-US" baseline="30000" dirty="0" smtClean="0"/>
+              <a:t>th</a:t>
+            </a:r>
+            <a:r>
+              <a:rPr lang="en-US" dirty="0" smtClean="0"/>
+              <a:t>) </a:t>
             </a:r>
           </a:p>
           <a:p>
@@ -6130,18 +6101,53 @@
           <a:p>
             <a:r>
               <a:rPr lang="en-US" dirty="0" smtClean="0"/>
-              <a:t>Final Testing &amp; Documentation Oriented Work (March 23 on)</a:t>
-            </a:r>
-          </a:p>
-          <a:p>
+              <a:t>Music/Audio (March 1</a:t>
+            </a:r>
+            <a:r>
+              <a:rPr lang="en-US" baseline="30000" dirty="0" smtClean="0"/>
+              <a:t>st</a:t>
+            </a:r>
+            <a:r>
+              <a:rPr lang="en-US" dirty="0" smtClean="0"/>
+              <a:t>) </a:t>
+            </a:r>
+          </a:p>
+          <a:p>
+            <a:pPr marL="114300" indent="0">
+              <a:buNone/>
+            </a:pPr>
             <a:endParaRPr lang="en-US" dirty="0" smtClean="0"/>
+          </a:p>
+          <a:p>
+            <a:r>
+              <a:rPr lang="en-US" dirty="0" smtClean="0"/>
+              <a:t>General improvements (items, game play, etc.) (March 1</a:t>
+            </a:r>
+            <a:r>
+              <a:rPr lang="en-US" baseline="30000" dirty="0" smtClean="0"/>
+              <a:t>st</a:t>
+            </a:r>
+            <a:r>
+              <a:rPr lang="en-US" dirty="0" smtClean="0"/>
+              <a:t>) </a:t>
+            </a:r>
+          </a:p>
+          <a:p>
+            <a:endParaRPr lang="en-US" dirty="0" smtClean="0"/>
+          </a:p>
+          <a:p>
+            <a:r>
+              <a:rPr lang="en-US" dirty="0" smtClean="0"/>
+              <a:t>Project Clean Up (Anytime) </a:t>
+            </a:r>
+            <a:endParaRPr lang="en-US" dirty="0"/>
           </a:p>
         </p:txBody>
       </p:sp>
     </p:spTree>
     <p:extLst>
       <p:ext uri="{BB962C8B-B14F-4D97-AF65-F5344CB8AC3E}">
-        <p14:creationId xmlns:p14="http://schemas.microsoft.com/office/powerpoint/2010/main" val="1809406857"/>
+        <p14:creationId xmlns:p14="http://schemas.microsoft.com/office/powerpoint/2010/main" val="2783072996"/>
       </p:ext>
     </p:extLst>
   </p:cSld>
@@ -6185,6 +6191,127 @@
           <a:p>
             <a:r>
               <a:rPr lang="en-US" dirty="0" smtClean="0"/>
+              <a:t>Future </a:t>
+            </a:r>
+            <a:endParaRPr lang="en-US" dirty="0"/>
+          </a:p>
+        </p:txBody>
+      </p:sp>
+      <p:sp>
+        <p:nvSpPr>
+          <p:cNvPr id="3" name="Content Placeholder 2"/>
+          <p:cNvSpPr>
+            <a:spLocks noGrp="1"/>
+          </p:cNvSpPr>
+          <p:nvPr>
+            <p:ph idx="1"/>
+          </p:nvPr>
+        </p:nvSpPr>
+        <p:spPr/>
+        <p:txBody>
+          <a:bodyPr/>
+          <a:lstStyle/>
+          <a:p>
+            <a:r>
+              <a:rPr lang="en-US" dirty="0" smtClean="0"/>
+              <a:t>Testing (Feb 8</a:t>
+            </a:r>
+            <a:r>
+              <a:rPr lang="en-US" baseline="30000" dirty="0" smtClean="0"/>
+              <a:t>th</a:t>
+            </a:r>
+            <a:r>
+              <a:rPr lang="en-US" dirty="0"/>
+              <a:t> </a:t>
+            </a:r>
+            <a:r>
+              <a:rPr lang="en-US" dirty="0" smtClean="0"/>
+              <a:t>and onwards)</a:t>
+            </a:r>
+          </a:p>
+          <a:p>
+            <a:pPr lvl="1"/>
+            <a:r>
+              <a:rPr lang="en-US" dirty="0" smtClean="0"/>
+              <a:t>AI, items, general testing (i.e. usability, bugs, small details like ensuring all levels link properly, etc.)</a:t>
+            </a:r>
+          </a:p>
+          <a:p>
+            <a:pPr marL="114300" indent="0">
+              <a:buNone/>
+            </a:pPr>
+            <a:endParaRPr lang="en-US" dirty="0" smtClean="0"/>
+          </a:p>
+          <a:p>
+            <a:r>
+              <a:rPr lang="en-US" dirty="0" smtClean="0"/>
+              <a:t>Secondary Requirements IF Main requirements are all finished and testing is completed. (Can start anytime when conditions met) </a:t>
+            </a:r>
+          </a:p>
+          <a:p>
+            <a:pPr marL="114300" indent="0">
+              <a:buNone/>
+            </a:pPr>
+            <a:endParaRPr lang="en-US" dirty="0" smtClean="0"/>
+          </a:p>
+          <a:p>
+            <a:r>
+              <a:rPr lang="en-US" dirty="0" smtClean="0"/>
+              <a:t>Final Testing &amp; Documentation Oriented Work (March 23 on)</a:t>
+            </a:r>
+          </a:p>
+          <a:p>
+            <a:endParaRPr lang="en-US" dirty="0" smtClean="0"/>
+          </a:p>
+        </p:txBody>
+      </p:sp>
+    </p:spTree>
+    <p:extLst>
+      <p:ext uri="{BB962C8B-B14F-4D97-AF65-F5344CB8AC3E}">
+        <p14:creationId xmlns:p14="http://schemas.microsoft.com/office/powerpoint/2010/main" val="1809406857"/>
+      </p:ext>
+    </p:extLst>
+  </p:cSld>
+  <p:clrMapOvr>
+    <a:masterClrMapping/>
+  </p:clrMapOvr>
+</p:sld>
+</file>
+
+<file path=ppt/slides/slide6.xml><?xml version="1.0" encoding="utf-8"?>
+<p:sld xmlns:a="http://schemas.openxmlformats.org/drawingml/2006/main" xmlns:r="http://schemas.openxmlformats.org/officeDocument/2006/relationships" xmlns:p="http://schemas.openxmlformats.org/presentationml/2006/main">
+  <p:cSld>
+    <p:spTree>
+      <p:nvGrpSpPr>
+        <p:cNvPr id="1" name=""/>
+        <p:cNvGrpSpPr/>
+        <p:nvPr/>
+      </p:nvGrpSpPr>
+      <p:grpSpPr>
+        <a:xfrm>
+          <a:off x="0" y="0"/>
+          <a:ext cx="0" cy="0"/>
+          <a:chOff x="0" y="0"/>
+          <a:chExt cx="0" cy="0"/>
+        </a:xfrm>
+      </p:grpSpPr>
+      <p:sp>
+        <p:nvSpPr>
+          <p:cNvPr id="2" name="Title 1"/>
+          <p:cNvSpPr>
+            <a:spLocks noGrp="1"/>
+          </p:cNvSpPr>
+          <p:nvPr>
+            <p:ph type="title"/>
+          </p:nvPr>
+        </p:nvSpPr>
+        <p:spPr/>
+        <p:txBody>
+          <a:bodyPr/>
+          <a:lstStyle/>
+          <a:p>
+            <a:r>
+              <a:rPr lang="en-US" dirty="0" smtClean="0"/>
               <a:t>Demo</a:t>
             </a:r>
             <a:endParaRPr lang="en-US" dirty="0"/>
@@ -6206,7 +6333,7 @@
           <a:bodyPr/>
           <a:lstStyle/>
           <a:p>
-            <a:endParaRPr lang="en-US"/>
+            <a:endParaRPr lang="en-US" dirty="0"/>
           </a:p>
         </p:txBody>
       </p:sp>
